--- a/论文/答辩PPT.pptx
+++ b/论文/答辩PPT.pptx
@@ -245,7 +245,7 @@
           <a:p>
             <a:fld id="{30C0BA0B-DAEA-4680-AAC1-9E8B91E60633}" type="datetimeFigureOut">
               <a:rPr lang="zh-CN" altLang="en-US" smtClean="0"/>
-              <a:t>2019/5/14</a:t>
+              <a:t>2019/5/15</a:t>
             </a:fld>
             <a:endParaRPr lang="zh-CN" altLang="en-US"/>
           </a:p>
@@ -7690,7 +7690,7 @@
                   <a:latin typeface="微软雅黑" panose="020B0503020204020204" pitchFamily="34" charset="-122"/>
                   <a:ea typeface="微软雅黑" panose="020B0503020204020204" pitchFamily="34" charset="-122"/>
                 </a:rPr>
-                <a:t>招聘人员用例图</a:t>
+                <a:t>前台用户用例图</a:t>
               </a:r>
             </a:p>
           </p:txBody>
@@ -28012,7 +28012,7 @@
           <a:p>
             <a:r>
               <a:rPr lang="zh-CN" altLang="en-US" dirty="0"/>
-              <a:t>招聘网站现状</a:t>
+              <a:t>国内外现状</a:t>
             </a:r>
           </a:p>
         </p:txBody>
@@ -47620,7 +47620,7 @@
         </p:nvSpPr>
         <p:spPr>
           <a:xfrm>
-            <a:off x="2464554" y="2478521"/>
+            <a:off x="1816855" y="2601683"/>
             <a:ext cx="2087880" cy="3333750"/>
           </a:xfrm>
           <a:prstGeom prst="downArrowCallout">
@@ -47675,7 +47675,7 @@
         </p:nvSpPr>
         <p:spPr>
           <a:xfrm>
-            <a:off x="5003920" y="2844281"/>
+            <a:off x="4107738" y="2702156"/>
             <a:ext cx="2085974" cy="3333750"/>
           </a:xfrm>
           <a:prstGeom prst="downArrowCallout">
@@ -47732,7 +47732,7 @@
         </p:nvSpPr>
         <p:spPr>
           <a:xfrm>
-            <a:off x="7543284" y="2478521"/>
+            <a:off x="6493629" y="2412496"/>
             <a:ext cx="2085976" cy="3333750"/>
           </a:xfrm>
           <a:prstGeom prst="downArrowCallout">
@@ -47789,7 +47789,7 @@
         </p:nvSpPr>
         <p:spPr bwMode="auto">
           <a:xfrm>
-            <a:off x="8389104" y="2756651"/>
+            <a:off x="7384259" y="2770833"/>
             <a:ext cx="394336" cy="316230"/>
           </a:xfrm>
           <a:custGeom>
@@ -48395,7 +48395,7 @@
         </p:nvSpPr>
         <p:spPr bwMode="auto">
           <a:xfrm>
-            <a:off x="5857360" y="3038591"/>
+            <a:off x="4960225" y="2959218"/>
             <a:ext cx="381000" cy="384810"/>
           </a:xfrm>
           <a:custGeom>
@@ -49088,7 +49088,7 @@
           <a:bodyPr lIns="82296" tIns="41148" rIns="82296" bIns="41148"/>
           <a:lstStyle/>
           <a:p>
-            <a:endParaRPr lang="zh-CN" altLang="en-US" sz="2160"/>
+            <a:endParaRPr lang="zh-CN" altLang="en-US" sz="2160" dirty="0"/>
           </a:p>
         </p:txBody>
       </p:sp>
@@ -49102,8 +49102,8 @@
         </p:nvSpPr>
         <p:spPr bwMode="auto">
           <a:xfrm>
-            <a:off x="2575044" y="3187181"/>
-            <a:ext cx="1866900" cy="1851025"/>
+            <a:off x="1927345" y="3232389"/>
+            <a:ext cx="1866900" cy="1826013"/>
           </a:xfrm>
           <a:prstGeom prst="rect">
             <a:avLst/>
@@ -49277,7 +49277,7 @@
                 <a:latin typeface="微软雅黑" panose="020B0503020204020204" pitchFamily="34" charset="-122"/>
                 <a:ea typeface="微软雅黑" panose="020B0503020204020204" pitchFamily="34" charset="-122"/>
               </a:rPr>
-              <a:t>架构，使用的技术为</a:t>
+              <a:t>架构，使用的开发语言为</a:t>
             </a:r>
             <a:r>
               <a:rPr lang="en-US" altLang="zh-CN" sz="1920" dirty="0">
@@ -49287,7 +49287,7 @@
                 <a:latin typeface="微软雅黑" panose="020B0503020204020204" pitchFamily="34" charset="-122"/>
                 <a:ea typeface="微软雅黑" panose="020B0503020204020204" pitchFamily="34" charset="-122"/>
               </a:rPr>
-              <a:t>Java Web</a:t>
+              <a:t>Python</a:t>
             </a:r>
             <a:r>
               <a:rPr lang="zh-CN" altLang="en-US" sz="1920" dirty="0">
@@ -49307,7 +49307,7 @@
                 <a:latin typeface="微软雅黑" panose="020B0503020204020204" pitchFamily="34" charset="-122"/>
                 <a:ea typeface="微软雅黑" panose="020B0503020204020204" pitchFamily="34" charset="-122"/>
               </a:rPr>
-              <a:t>SSH</a:t>
+              <a:t>Django</a:t>
             </a:r>
             <a:r>
               <a:rPr lang="zh-CN" altLang="en-US" sz="1920" dirty="0">
@@ -49339,8 +49339,8 @@
         </p:nvSpPr>
         <p:spPr bwMode="auto">
           <a:xfrm>
-            <a:off x="7653774" y="3187181"/>
-            <a:ext cx="1864996" cy="2204720"/>
+            <a:off x="6620078" y="3229612"/>
+            <a:ext cx="1864996" cy="2180597"/>
           </a:xfrm>
           <a:prstGeom prst="rect">
             <a:avLst/>
@@ -49524,7 +49524,7 @@
                 <a:latin typeface="微软雅黑" panose="020B0503020204020204" pitchFamily="34" charset="-122"/>
                 <a:ea typeface="微软雅黑" panose="020B0503020204020204" pitchFamily="34" charset="-122"/>
               </a:rPr>
-              <a:t>JSP</a:t>
+              <a:t>CSS3</a:t>
             </a:r>
             <a:r>
               <a:rPr lang="zh-CN" altLang="en-US" sz="1920" dirty="0">
@@ -49596,7 +49596,7 @@
         </p:nvSpPr>
         <p:spPr bwMode="auto">
           <a:xfrm>
-            <a:off x="5114410" y="3556751"/>
+            <a:off x="4173461" y="3601089"/>
             <a:ext cx="1864994" cy="788670"/>
           </a:xfrm>
           <a:prstGeom prst="rect">
@@ -49829,7 +49829,7 @@
         </p:nvCxnSpPr>
         <p:spPr>
           <a:xfrm>
-            <a:off x="3508494" y="5812271"/>
+            <a:off x="2860795" y="5812271"/>
             <a:ext cx="0" cy="535304"/>
           </a:xfrm>
           <a:prstGeom prst="line">
@@ -49867,7 +49867,7 @@
         </p:nvCxnSpPr>
         <p:spPr>
           <a:xfrm>
-            <a:off x="8585320" y="5812271"/>
+            <a:off x="7552576" y="5768254"/>
             <a:ext cx="0" cy="535304"/>
           </a:xfrm>
           <a:prstGeom prst="line">
@@ -49907,7 +49907,7 @@
         </p:nvCxnSpPr>
         <p:spPr>
           <a:xfrm flipH="1">
-            <a:off x="6047860" y="6178031"/>
+            <a:off x="5151678" y="6035906"/>
             <a:ext cx="0" cy="169544"/>
           </a:xfrm>
           <a:prstGeom prst="line">
@@ -49939,6 +49939,67 @@
           </a:fontRef>
         </p:style>
       </p:cxnSp>
+      <p:sp>
+        <p:nvSpPr>
+          <p:cNvPr id="31" name="Down Arrow Callout 55">
+            <a:extLst>
+              <a:ext uri="{FF2B5EF4-FFF2-40B4-BE49-F238E27FC236}">
+                <a16:creationId xmlns:a16="http://schemas.microsoft.com/office/drawing/2014/main" id="{3C2F5153-2719-4C1D-A24B-75D282C3CA2E}"/>
+              </a:ext>
+            </a:extLst>
+          </p:cNvPr>
+          <p:cNvSpPr/>
+          <p:nvPr/>
+        </p:nvSpPr>
+        <p:spPr>
+          <a:xfrm>
+            <a:off x="8990017" y="2601683"/>
+            <a:ext cx="2085976" cy="3333750"/>
+          </a:xfrm>
+          <a:prstGeom prst="downArrowCallout">
+            <a:avLst>
+              <a:gd name="adj1" fmla="val 25000"/>
+              <a:gd name="adj2" fmla="val 6698"/>
+              <a:gd name="adj3" fmla="val 4369"/>
+              <a:gd name="adj4" fmla="val 97480"/>
+            </a:avLst>
+          </a:prstGeom>
+          <a:solidFill>
+            <a:srgbClr val="013B6D"/>
+          </a:solidFill>
+          <a:ln w="19050">
+            <a:noFill/>
+          </a:ln>
+        </p:spPr>
+        <p:style>
+          <a:lnRef idx="2">
+            <a:schemeClr val="accent1">
+              <a:shade val="50000"/>
+            </a:schemeClr>
+          </a:lnRef>
+          <a:fillRef idx="1">
+            <a:schemeClr val="accent1"/>
+          </a:fillRef>
+          <a:effectRef idx="0">
+            <a:schemeClr val="accent1"/>
+          </a:effectRef>
+          <a:fontRef idx="minor">
+            <a:schemeClr val="lt1"/>
+          </a:fontRef>
+        </p:style>
+        <p:txBody>
+          <a:bodyPr lIns="82296" tIns="41148" rIns="82296" bIns="41148" anchor="ctr"/>
+          <a:lstStyle/>
+          <a:p>
+            <a:pPr algn="ctr" fontAlgn="auto">
+              <a:defRPr/>
+            </a:pPr>
+            <a:endParaRPr lang="en-US" sz="2160" noProof="1">
+              <a:ea typeface="微软雅黑" panose="020B0503020204020204" pitchFamily="34" charset="-122"/>
+            </a:endParaRPr>
+          </a:p>
+        </p:txBody>
+      </p:sp>
     </p:spTree>
   </p:cSld>
   <p:clrMapOvr>

--- a/论文/答辩PPT.pptx
+++ b/论文/答辩PPT.pptx
@@ -245,7 +245,7 @@
           <a:p>
             <a:fld id="{30C0BA0B-DAEA-4680-AAC1-9E8B91E60633}" type="datetimeFigureOut">
               <a:rPr lang="zh-CN" altLang="en-US" smtClean="0"/>
-              <a:t>2019/5/15</a:t>
+              <a:t>2019/5/17</a:t>
             </a:fld>
             <a:endParaRPr lang="zh-CN" altLang="en-US"/>
           </a:p>

--- a/论文/答辩PPT.pptx
+++ b/论文/答辩PPT.pptx
@@ -248,7 +248,7 @@
           <a:p>
             <a:fld id="{30C0BA0B-DAEA-4680-AAC1-9E8B91E60633}" type="datetimeFigureOut">
               <a:rPr lang="zh-CN" altLang="en-US" smtClean="0"/>
-              <a:t>2019/5/18</a:t>
+              <a:t>2019/5/19</a:t>
             </a:fld>
             <a:endParaRPr lang="zh-CN" altLang="en-US"/>
           </a:p>

--- a/论文/答辩PPT.pptx
+++ b/论文/答辩PPT.pptx
@@ -248,7 +248,7 @@
           <a:p>
             <a:fld id="{30C0BA0B-DAEA-4680-AAC1-9E8B91E60633}" type="datetimeFigureOut">
               <a:rPr lang="zh-CN" altLang="en-US" smtClean="0"/>
-              <a:t>2019/5/19</a:t>
+              <a:t>2019/5/22</a:t>
             </a:fld>
             <a:endParaRPr lang="zh-CN" altLang="en-US"/>
           </a:p>
@@ -6329,8 +6329,8 @@
         </p:nvSpPr>
         <p:spPr>
           <a:xfrm>
-            <a:off x="839470" y="2924810"/>
-            <a:ext cx="6913245" cy="808355"/>
+            <a:off x="839471" y="2924810"/>
+            <a:ext cx="6840706" cy="808355"/>
           </a:xfrm>
         </p:spPr>
         <p:txBody>
@@ -7783,15 +7783,15 @@
       </p:grpSp>
       <p:pic>
         <p:nvPicPr>
-          <p:cNvPr id="2050" name="Picture 2" descr="捕获1">
+          <p:cNvPr id="3" name="图片 2">
             <a:extLst>
               <a:ext uri="{FF2B5EF4-FFF2-40B4-BE49-F238E27FC236}">
-                <a16:creationId xmlns:a16="http://schemas.microsoft.com/office/drawing/2014/main" id="{1D5FD33F-A0D8-4BC0-B0F3-D554B5746ECE}"/>
+                <a16:creationId xmlns:a16="http://schemas.microsoft.com/office/drawing/2014/main" id="{9C94414B-2FBE-4D36-9626-863520747CDE}"/>
               </a:ext>
             </a:extLst>
           </p:cNvPr>
           <p:cNvPicPr>
-            <a:picLocks noChangeAspect="1" noChangeArrowheads="1"/>
+            <a:picLocks noChangeAspect="1"/>
           </p:cNvPicPr>
           <p:nvPr/>
         </p:nvPicPr>
@@ -7803,42 +7803,18 @@
               </a:ext>
             </a:extLst>
           </a:blip>
-          <a:srcRect/>
           <a:stretch>
             <a:fillRect/>
           </a:stretch>
         </p:blipFill>
-        <p:spPr bwMode="auto">
+        <p:spPr>
           <a:xfrm>
-            <a:off x="2783999" y="1268760"/>
-            <a:ext cx="5757863" cy="5078413"/>
+            <a:off x="2273991" y="715648"/>
+            <a:ext cx="6846345" cy="6142351"/>
           </a:xfrm>
           <a:prstGeom prst="rect">
             <a:avLst/>
           </a:prstGeom>
-          <a:noFill/>
-          <a:ln>
-            <a:noFill/>
-          </a:ln>
-          <a:extLst>
-            <a:ext uri="{909E8E84-426E-40DD-AFC4-6F175D3DCCD1}">
-              <a14:hiddenFill xmlns:a14="http://schemas.microsoft.com/office/drawing/2010/main">
-                <a:solidFill>
-                  <a:srgbClr val="FFFFFF"/>
-                </a:solidFill>
-              </a14:hiddenFill>
-            </a:ext>
-            <a:ext uri="{91240B29-F687-4F45-9708-019B960494DF}">
-              <a14:hiddenLine xmlns:a14="http://schemas.microsoft.com/office/drawing/2010/main" w="9525">
-                <a:solidFill>
-                  <a:srgbClr val="000000"/>
-                </a:solidFill>
-                <a:miter lim="800000"/>
-                <a:headEnd/>
-                <a:tailEnd/>
-              </a14:hiddenLine>
-            </a:ext>
-          </a:extLst>
         </p:spPr>
       </p:pic>
     </p:spTree>
@@ -9080,15 +9056,15 @@
       </p:grpSp>
       <p:pic>
         <p:nvPicPr>
-          <p:cNvPr id="1026" name="Picture 2" descr="捕获">
+          <p:cNvPr id="3" name="图片 2">
             <a:extLst>
               <a:ext uri="{FF2B5EF4-FFF2-40B4-BE49-F238E27FC236}">
-                <a16:creationId xmlns:a16="http://schemas.microsoft.com/office/drawing/2014/main" id="{5295CB93-B108-4AC9-BF9E-C8FF1D0AFC04}"/>
+                <a16:creationId xmlns:a16="http://schemas.microsoft.com/office/drawing/2014/main" id="{DF8C1B85-076D-48DE-BA50-C3329085896B}"/>
               </a:ext>
             </a:extLst>
           </p:cNvPr>
           <p:cNvPicPr>
-            <a:picLocks noChangeAspect="1" noChangeArrowheads="1"/>
+            <a:picLocks noChangeAspect="1"/>
           </p:cNvPicPr>
           <p:nvPr/>
         </p:nvPicPr>
@@ -9100,42 +9076,18 @@
               </a:ext>
             </a:extLst>
           </a:blip>
-          <a:srcRect/>
           <a:stretch>
             <a:fillRect/>
           </a:stretch>
         </p:blipFill>
-        <p:spPr bwMode="auto">
+        <p:spPr>
           <a:xfrm>
-            <a:off x="3217068" y="1124744"/>
-            <a:ext cx="5757863" cy="5305425"/>
+            <a:off x="2346367" y="627764"/>
+            <a:ext cx="6812803" cy="6230236"/>
           </a:xfrm>
           <a:prstGeom prst="rect">
             <a:avLst/>
           </a:prstGeom>
-          <a:noFill/>
-          <a:ln>
-            <a:noFill/>
-          </a:ln>
-          <a:extLst>
-            <a:ext uri="{909E8E84-426E-40DD-AFC4-6F175D3DCCD1}">
-              <a14:hiddenFill xmlns:a14="http://schemas.microsoft.com/office/drawing/2010/main">
-                <a:solidFill>
-                  <a:srgbClr val="FFFFFF"/>
-                </a:solidFill>
-              </a14:hiddenFill>
-            </a:ext>
-            <a:ext uri="{91240B29-F687-4F45-9708-019B960494DF}">
-              <a14:hiddenLine xmlns:a14="http://schemas.microsoft.com/office/drawing/2010/main" w="9525">
-                <a:solidFill>
-                  <a:srgbClr val="000000"/>
-                </a:solidFill>
-                <a:miter lim="800000"/>
-                <a:headEnd/>
-                <a:tailEnd/>
-              </a14:hiddenLine>
-            </a:ext>
-          </a:extLst>
         </p:spPr>
       </p:pic>
     </p:spTree>
@@ -10475,10 +10427,10 @@
       </p:grpSp>
       <p:pic>
         <p:nvPicPr>
-          <p:cNvPr id="4" name="图片 3">
+          <p:cNvPr id="3" name="图片 2">
             <a:extLst>
               <a:ext uri="{FF2B5EF4-FFF2-40B4-BE49-F238E27FC236}">
-                <a16:creationId xmlns:a16="http://schemas.microsoft.com/office/drawing/2014/main" id="{A6E36547-9DB1-4D84-8EFF-2FC5548B5A06}"/>
+                <a16:creationId xmlns:a16="http://schemas.microsoft.com/office/drawing/2014/main" id="{0740D9F7-C250-4F22-9F76-E4756DB42758}"/>
               </a:ext>
             </a:extLst>
           </p:cNvPr>
@@ -10501,8 +10453,8 @@
         </p:blipFill>
         <p:spPr>
           <a:xfrm>
-            <a:off x="897665" y="1073423"/>
-            <a:ext cx="10396670" cy="5344997"/>
+            <a:off x="537625" y="891574"/>
+            <a:ext cx="11116750" cy="5715195"/>
           </a:xfrm>
           <a:prstGeom prst="rect">
             <a:avLst/>
@@ -16973,62 +16925,38 @@
       </p:sp>
       <p:pic>
         <p:nvPicPr>
-          <p:cNvPr id="3074" name="Picture 2" descr="ER图">
+          <p:cNvPr id="4" name="图片 3">
             <a:extLst>
               <a:ext uri="{FF2B5EF4-FFF2-40B4-BE49-F238E27FC236}">
-                <a16:creationId xmlns:a16="http://schemas.microsoft.com/office/drawing/2014/main" id="{42F78D44-EC2F-41F0-8346-C26845E27BFD}"/>
+                <a16:creationId xmlns:a16="http://schemas.microsoft.com/office/drawing/2014/main" id="{A3FBCA86-1F53-41C3-BE72-967CAF36845D}"/>
               </a:ext>
             </a:extLst>
           </p:cNvPr>
           <p:cNvPicPr>
-            <a:picLocks noChangeAspect="1" noChangeArrowheads="1"/>
+            <a:picLocks noChangeAspect="1"/>
           </p:cNvPicPr>
           <p:nvPr/>
         </p:nvPicPr>
         <p:blipFill>
-          <a:blip r:embed="rId3" cstate="print">
+          <a:blip r:embed="rId3">
             <a:extLst>
               <a:ext uri="{28A0092B-C50C-407E-A947-70E740481C1C}">
                 <a14:useLocalDpi xmlns:a14="http://schemas.microsoft.com/office/drawing/2010/main" val="0"/>
               </a:ext>
             </a:extLst>
           </a:blip>
-          <a:srcRect/>
           <a:stretch>
             <a:fillRect/>
           </a:stretch>
         </p:blipFill>
-        <p:spPr bwMode="auto">
+        <p:spPr>
           <a:xfrm>
-            <a:off x="305659" y="870590"/>
-            <a:ext cx="11580681" cy="5791936"/>
+            <a:off x="2403496" y="532633"/>
+            <a:ext cx="7076612" cy="6325367"/>
           </a:xfrm>
           <a:prstGeom prst="rect">
             <a:avLst/>
           </a:prstGeom>
-          <a:noFill/>
-          <a:ln>
-            <a:noFill/>
-          </a:ln>
-          <a:extLst>
-            <a:ext uri="{909E8E84-426E-40DD-AFC4-6F175D3DCCD1}">
-              <a14:hiddenFill xmlns:a14="http://schemas.microsoft.com/office/drawing/2010/main">
-                <a:solidFill>
-                  <a:srgbClr val="FFFFFF"/>
-                </a:solidFill>
-              </a14:hiddenFill>
-            </a:ext>
-            <a:ext uri="{91240B29-F687-4F45-9708-019B960494DF}">
-              <a14:hiddenLine xmlns:a14="http://schemas.microsoft.com/office/drawing/2010/main" w="9525">
-                <a:solidFill>
-                  <a:srgbClr val="000000"/>
-                </a:solidFill>
-                <a:miter lim="800000"/>
-                <a:headEnd/>
-                <a:tailEnd/>
-              </a14:hiddenLine>
-            </a:ext>
-          </a:extLst>
         </p:spPr>
       </p:pic>
     </p:spTree>
